--- a/Documents/Suika.Watermelon/기획서(박정우).pptx
+++ b/Documents/Suika.Watermelon/기획서(박정우).pptx
@@ -3553,11 +3553,7 @@
           <a:p>
             <a:r>
               <a:rPr lang="ko-KR" altLang="en-US" smtClean="0"/>
-              <a:t>랭킹 혹은 나의 최고 기록 </a:t>
-            </a:r>
-            <a:r>
-              <a:rPr lang="ko-KR" altLang="en-US" smtClean="0"/>
-              <a:t>목록</a:t>
+              <a:t>랭킹 혹은 나의 최고 기록 목록</a:t>
             </a:r>
             <a:r>
               <a:rPr lang="en-US" altLang="ko-KR" smtClean="0"/>
